--- a/25 数据驱动性能测试.pptx
+++ b/25 数据驱动性能测试.pptx
@@ -200,7 +200,7 @@
           <a:p>
             <a:fld id="{12917036-4097-4A67-B82A-FD5C6195453D}" type="datetimeFigureOut">
               <a:rPr lang="zh-CN" altLang="en-US" smtClean="0"/>
-              <a:t>2018/4/3</a:t>
+              <a:t>2018/4/4</a:t>
             </a:fld>
             <a:endParaRPr lang="zh-CN" altLang="en-US"/>
           </a:p>
@@ -1174,7 +1174,7 @@
           <a:p>
             <a:fld id="{530820CF-B880-4189-942D-D702A7CBA730}" type="datetimeFigureOut">
               <a:rPr lang="zh-CN" altLang="en-US" smtClean="0"/>
-              <a:t>2018/4/3</a:t>
+              <a:t>2018/4/4</a:t>
             </a:fld>
             <a:endParaRPr lang="zh-CN" altLang="en-US"/>
           </a:p>
@@ -3583,7 +3583,7 @@
           <a:p>
             <a:fld id="{530820CF-B880-4189-942D-D702A7CBA730}" type="datetimeFigureOut">
               <a:rPr lang="zh-CN" altLang="en-US" smtClean="0"/>
-              <a:t>2018/4/3</a:t>
+              <a:t>2018/4/4</a:t>
             </a:fld>
             <a:endParaRPr lang="zh-CN" altLang="en-US"/>
           </a:p>
@@ -5503,7 +5503,7 @@
           <a:p>
             <a:fld id="{530820CF-B880-4189-942D-D702A7CBA730}" type="datetimeFigureOut">
               <a:rPr lang="zh-CN" altLang="en-US" smtClean="0"/>
-              <a:t>2018/4/3</a:t>
+              <a:t>2018/4/4</a:t>
             </a:fld>
             <a:endParaRPr lang="zh-CN" altLang="en-US"/>
           </a:p>
@@ -6206,27 +6206,19 @@
             </a:pPr>
             <a:r>
               <a:rPr lang="zh-CN" altLang="en-US" dirty="0"/>
-              <a:t>数据驱动的</a:t>
-            </a:r>
+              <a:t>数据驱动的理念</a:t>
+            </a:r>
+            <a:endParaRPr lang="en-US" altLang="zh-CN" dirty="0"/>
+          </a:p>
+          <a:p>
+            <a:pPr>
+              <a:lnSpc>
+                <a:spcPct val="150000"/>
+              </a:lnSpc>
+            </a:pPr>
             <a:r>
               <a:rPr lang="zh-CN" altLang="en-US" dirty="0"/>
-              <a:t>理念</a:t>
-            </a:r>
-            <a:endParaRPr lang="en-US" altLang="zh-CN" dirty="0"/>
-          </a:p>
-          <a:p>
-            <a:pPr>
-              <a:lnSpc>
-                <a:spcPct val="150000"/>
-              </a:lnSpc>
-            </a:pPr>
-            <a:r>
-              <a:rPr lang="zh-CN" altLang="en-US" dirty="0"/>
-              <a:t>数据驱动的使用</a:t>
-            </a:r>
-            <a:r>
-              <a:rPr lang="zh-CN" altLang="en-US" dirty="0"/>
-              <a:t>场景</a:t>
+              <a:t>数据驱动的使用场景</a:t>
             </a:r>
             <a:endParaRPr lang="en-US" altLang="zh-CN" dirty="0"/>
           </a:p>
@@ -6252,7 +6244,6 @@
               <a:rPr lang="zh-CN" altLang="en-US" dirty="0"/>
               <a:t>演示</a:t>
             </a:r>
-            <a:endParaRPr lang="zh-CN" altLang="en-US" dirty="0"/>
           </a:p>
           <a:p>
             <a:endParaRPr lang="zh-CN" altLang="en-US" dirty="0"/>
@@ -6422,6 +6413,13 @@
   <p:clrMapOvr>
     <a:masterClrMapping/>
   </p:clrMapOvr>
+  <p:timing>
+    <p:tnLst>
+      <p:par>
+        <p:cTn id="1" dur="indefinite" restart="never" nodeType="tmRoot"/>
+      </p:par>
+    </p:tnLst>
+  </p:timing>
 </p:sld>
 </file>
 
@@ -6527,6 +6525,13 @@
   <p:clrMapOvr>
     <a:masterClrMapping/>
   </p:clrMapOvr>
+  <p:timing>
+    <p:tnLst>
+      <p:par>
+        <p:cTn id="1" dur="indefinite" restart="never" nodeType="tmRoot"/>
+      </p:par>
+    </p:tnLst>
+  </p:timing>
 </p:sld>
 </file>
 
@@ -6644,6 +6649,13 @@
   <p:clrMapOvr>
     <a:masterClrMapping/>
   </p:clrMapOvr>
+  <p:timing>
+    <p:tnLst>
+      <p:par>
+        <p:cTn id="1" dur="indefinite" restart="never" nodeType="tmRoot"/>
+      </p:par>
+    </p:tnLst>
+  </p:timing>
 </p:sld>
 </file>
 
@@ -6704,7 +6716,11 @@
             </a:pPr>
             <a:r>
               <a:rPr lang="zh-CN" altLang="en-US" sz="3600" dirty="0"/>
-              <a:t>根据业务场景分流</a:t>
+              <a:t>根据业务场景</a:t>
+            </a:r>
+            <a:r>
+              <a:rPr lang="zh-CN" altLang="en-US" sz="3600" dirty="0" smtClean="0"/>
+              <a:t>分流（金牌，银牌，铜牌）</a:t>
             </a:r>
             <a:endParaRPr lang="en-US" altLang="zh-CN" sz="3600" dirty="0"/>
           </a:p>
@@ -6720,7 +6736,6 @@
               <a:rPr lang="zh-CN" altLang="en-US" sz="3600" dirty="0"/>
               <a:t>符合条件的并发场景</a:t>
             </a:r>
-            <a:endParaRPr lang="zh-CN" altLang="en-US" sz="3600" dirty="0"/>
           </a:p>
         </p:txBody>
       </p:sp>
@@ -6763,6 +6778,13 @@
   <p:clrMapOvr>
     <a:masterClrMapping/>
   </p:clrMapOvr>
+  <p:timing>
+    <p:tnLst>
+      <p:par>
+        <p:cTn id="1" dur="indefinite" restart="never" nodeType="tmRoot"/>
+      </p:par>
+    </p:tnLst>
+  </p:timing>
 </p:sld>
 </file>
 
@@ -7547,6 +7569,13 @@
   <p:clrMapOvr>
     <a:masterClrMapping/>
   </p:clrMapOvr>
+  <p:timing>
+    <p:tnLst>
+      <p:par>
+        <p:cTn id="1" dur="indefinite" restart="never" nodeType="tmRoot"/>
+      </p:par>
+    </p:tnLst>
+  </p:timing>
 </p:sld>
 </file>
 
@@ -7605,11 +7634,7 @@
             </a:pPr>
             <a:r>
               <a:rPr lang="zh-CN" altLang="en-US" sz="3200" dirty="0"/>
-              <a:t>参数</a:t>
-            </a:r>
-            <a:r>
-              <a:rPr lang="zh-CN" altLang="en-US" sz="3200" dirty="0"/>
-              <a:t>化</a:t>
+              <a:t>参数化</a:t>
             </a:r>
             <a:endParaRPr lang="en-US" altLang="zh-CN" sz="3200" dirty="0"/>
           </a:p>
@@ -7623,7 +7648,6 @@
               <a:rPr lang="zh-CN" altLang="en-US" sz="3200" dirty="0"/>
               <a:t>逻辑控制器</a:t>
             </a:r>
-            <a:endParaRPr lang="zh-CN" altLang="en-US" sz="3200" dirty="0"/>
           </a:p>
         </p:txBody>
       </p:sp>
@@ -7664,6 +7688,13 @@
   <p:clrMapOvr>
     <a:masterClrMapping/>
   </p:clrMapOvr>
+  <p:timing>
+    <p:tnLst>
+      <p:par>
+        <p:cTn id="1" dur="indefinite" restart="never" nodeType="tmRoot"/>
+      </p:par>
+    </p:tnLst>
+  </p:timing>
 </p:sld>
 </file>
 
@@ -7751,6 +7782,13 @@
   <p:clrMapOvr>
     <a:masterClrMapping/>
   </p:clrMapOvr>
+  <p:timing>
+    <p:tnLst>
+      <p:par>
+        <p:cTn id="1" dur="indefinite" restart="never" nodeType="tmRoot"/>
+      </p:par>
+    </p:tnLst>
+  </p:timing>
 </p:sld>
 </file>
 
